--- a/课程PPT/09.JS预解析.pptx
+++ b/课程PPT/09.JS预解析.pptx
@@ -5,23 +5,23 @@
     <p:sldMasterId id="2147483648" r:id="rId1"/>
   </p:sldMasterIdLst>
   <p:notesMasterIdLst>
-    <p:notesMasterId r:id="rId16"/>
+    <p:notesMasterId r:id="rId5"/>
   </p:notesMasterIdLst>
   <p:sldIdLst>
-    <p:sldId id="1234" r:id="rId2"/>
-    <p:sldId id="1235" r:id="rId3"/>
-    <p:sldId id="1236" r:id="rId4"/>
-    <p:sldId id="1237" r:id="rId5"/>
-    <p:sldId id="1238" r:id="rId6"/>
-    <p:sldId id="1239" r:id="rId7"/>
-    <p:sldId id="1240" r:id="rId8"/>
-    <p:sldId id="1489" r:id="rId9"/>
-    <p:sldId id="1241" r:id="rId10"/>
-    <p:sldId id="1468" r:id="rId11"/>
-    <p:sldId id="1242" r:id="rId12"/>
-    <p:sldId id="1246" r:id="rId13"/>
-    <p:sldId id="1247" r:id="rId14"/>
-    <p:sldId id="1439" r:id="rId15"/>
+    <p:sldId id="1234" r:id="rId3"/>
+    <p:sldId id="1235" r:id="rId4"/>
+    <p:sldId id="1236" r:id="rId6"/>
+    <p:sldId id="1237" r:id="rId7"/>
+    <p:sldId id="1238" r:id="rId8"/>
+    <p:sldId id="1239" r:id="rId9"/>
+    <p:sldId id="1240" r:id="rId10"/>
+    <p:sldId id="1489" r:id="rId11"/>
+    <p:sldId id="1241" r:id="rId12"/>
+    <p:sldId id="1468" r:id="rId13"/>
+    <p:sldId id="1242" r:id="rId14"/>
+    <p:sldId id="1246" r:id="rId15"/>
+    <p:sldId id="1247" r:id="rId16"/>
+    <p:sldId id="1439" r:id="rId17"/>
   </p:sldIdLst>
   <p:sldSz cx="12192000" cy="6858000"/>
   <p:notesSz cx="6797675" cy="9928225"/>
@@ -340,6 +340,7 @@
               <a:rPr lang="zh-CN" altLang="zh-CN" noProof="0" smtClean="0"/>
               <a:t>                                                   </a:t>
             </a:r>
+            <a:endParaRPr lang="zh-CN" altLang="zh-CN" noProof="0" smtClean="0"/>
           </a:p>
           <a:p>
             <a:pPr lvl="1"/>
@@ -347,6 +348,7 @@
               <a:rPr lang="zh-CN" altLang="zh-CN" noProof="0" smtClean="0"/>
               <a:t>               </a:t>
             </a:r>
+            <a:endParaRPr lang="zh-CN" altLang="zh-CN" noProof="0" smtClean="0"/>
           </a:p>
           <a:p>
             <a:pPr lvl="2"/>
@@ -354,6 +356,7 @@
               <a:rPr lang="zh-CN" altLang="zh-CN" noProof="0" smtClean="0"/>
               <a:t>                </a:t>
             </a:r>
+            <a:endParaRPr lang="zh-CN" altLang="zh-CN" noProof="0" smtClean="0"/>
           </a:p>
           <a:p>
             <a:pPr lvl="3"/>
@@ -361,6 +364,7 @@
               <a:rPr lang="zh-CN" altLang="zh-CN" noProof="0" smtClean="0"/>
               <a:t>                </a:t>
             </a:r>
+            <a:endParaRPr lang="zh-CN" altLang="zh-CN" noProof="0" smtClean="0"/>
           </a:p>
           <a:p>
             <a:pPr lvl="4"/>
@@ -368,6 +372,7 @@
               <a:rPr lang="zh-CN" altLang="zh-CN" noProof="0" smtClean="0"/>
               <a:t>                </a:t>
             </a:r>
+            <a:endParaRPr lang="zh-CN" altLang="zh-CN" noProof="0" smtClean="0"/>
           </a:p>
         </p:txBody>
       </p:sp>
@@ -450,18 +455,12 @@
           <a:p>
             <a:fld id="{D9AFD278-84AA-4CAA-9049-809825956FE0}" type="slidenum">
               <a:rPr lang="en-US" altLang="zh-CN"/>
-              <a:t>‹#›</a:t>
             </a:fld>
             <a:endParaRPr lang="zh-CN" altLang="zh-CN"/>
           </a:p>
         </p:txBody>
       </p:sp>
     </p:spTree>
-    <p:extLst>
-      <p:ext uri="{BB962C8B-B14F-4D97-AF65-F5344CB8AC3E}">
-        <p14:creationId xmlns:p14="http://schemas.microsoft.com/office/powerpoint/2010/main" val="3639170410"/>
-      </p:ext>
-    </p:extLst>
   </p:cSld>
   <p:clrMap bg1="lt1" tx1="dk1" bg2="lt2" tx2="dk2" accent1="accent1" accent2="accent2" accent3="accent3" accent4="accent4" accent5="accent5" accent6="accent6" hlink="hlink" folHlink="folHlink"/>
   <p:notesStyle>
@@ -710,7 +709,6 @@
           <a:p>
             <a:fld id="{D9AFD278-84AA-4CAA-9049-809825956FE0}" type="slidenum">
               <a:rPr lang="en-US" altLang="zh-CN" smtClean="0"/>
-              <a:t>3</a:t>
             </a:fld>
             <a:endParaRPr lang="zh-CN" altLang="zh-CN"/>
           </a:p>
@@ -788,6 +786,7 @@
               <a:rPr lang="zh-CN" altLang="en-US" dirty="0"/>
               <a:t>关键字 ，分块，清晰，去除结果</a:t>
             </a:r>
+            <a:endParaRPr lang="zh-CN" altLang="en-US" dirty="0"/>
           </a:p>
         </p:txBody>
       </p:sp>
@@ -808,7 +807,6 @@
           <a:p>
             <a:fld id="{D9AFD278-84AA-4CAA-9049-809825956FE0}" type="slidenum">
               <a:rPr lang="en-US" altLang="zh-CN" smtClean="0"/>
-              <a:t>5</a:t>
             </a:fld>
             <a:endParaRPr lang="zh-CN" altLang="zh-CN"/>
           </a:p>
@@ -886,6 +884,7 @@
               <a:rPr lang="zh-CN" altLang="en-US" dirty="0"/>
               <a:t>关键字 ，分块，清晰，去除结果</a:t>
             </a:r>
+            <a:endParaRPr lang="zh-CN" altLang="en-US" dirty="0"/>
           </a:p>
         </p:txBody>
       </p:sp>
@@ -906,7 +905,6 @@
           <a:p>
             <a:fld id="{D9AFD278-84AA-4CAA-9049-809825956FE0}" type="slidenum">
               <a:rPr lang="en-US" altLang="zh-CN" smtClean="0"/>
-              <a:t>6</a:t>
             </a:fld>
             <a:endParaRPr lang="zh-CN" altLang="zh-CN"/>
           </a:p>
@@ -984,6 +982,7 @@
               <a:rPr lang="zh-CN" altLang="en-US" dirty="0"/>
               <a:t>关键字 ，分块，清晰，去除结果</a:t>
             </a:r>
+            <a:endParaRPr lang="zh-CN" altLang="en-US" dirty="0"/>
           </a:p>
         </p:txBody>
       </p:sp>
@@ -1004,7 +1003,6 @@
           <a:p>
             <a:fld id="{D9AFD278-84AA-4CAA-9049-809825956FE0}" type="slidenum">
               <a:rPr lang="en-US" altLang="zh-CN" smtClean="0"/>
-              <a:t>7</a:t>
             </a:fld>
             <a:endParaRPr lang="zh-CN" altLang="zh-CN"/>
           </a:p>
@@ -1082,6 +1080,7 @@
               <a:rPr lang="zh-CN" altLang="en-US" dirty="0"/>
               <a:t>关键字 ，分块，清晰，去除结果</a:t>
             </a:r>
+            <a:endParaRPr lang="zh-CN" altLang="en-US" dirty="0"/>
           </a:p>
         </p:txBody>
       </p:sp>
@@ -1102,7 +1101,6 @@
           <a:p>
             <a:fld id="{D9AFD278-84AA-4CAA-9049-809825956FE0}" type="slidenum">
               <a:rPr lang="en-US" altLang="zh-CN" smtClean="0"/>
-              <a:t>8</a:t>
             </a:fld>
             <a:endParaRPr lang="zh-CN" altLang="zh-CN"/>
           </a:p>
@@ -1164,6 +1162,7 @@
               <a:rPr lang="zh-CN" altLang="en-US" dirty="0"/>
               <a:t>作用域：变量能够引用、函数能够生效的区域</a:t>
             </a:r>
+            <a:endParaRPr lang="zh-CN" altLang="en-US" dirty="0"/>
           </a:p>
         </p:txBody>
       </p:sp>
@@ -1184,7 +1183,6 @@
           <a:p>
             <a:fld id="{D9AFD278-84AA-4CAA-9049-809825956FE0}" type="slidenum">
               <a:rPr lang="en-US" altLang="zh-CN" smtClean="0"/>
-              <a:t>10</a:t>
             </a:fld>
             <a:endParaRPr lang="zh-CN" altLang="zh-CN"/>
           </a:p>
@@ -1263,7 +1261,6 @@
           <a:p>
             <a:fld id="{D9AFD278-84AA-4CAA-9049-809825956FE0}" type="slidenum">
               <a:rPr lang="en-US" altLang="zh-CN" smtClean="0"/>
-              <a:t>11</a:t>
             </a:fld>
             <a:endParaRPr lang="zh-CN" altLang="zh-CN"/>
           </a:p>
@@ -1344,7 +1341,6 @@
           <a:p>
             <a:fld id="{D9AFD278-84AA-4CAA-9049-809825956FE0}" type="slidenum">
               <a:rPr lang="en-US" altLang="zh-CN" smtClean="0"/>
-              <a:t>14</a:t>
             </a:fld>
             <a:endParaRPr lang="zh-CN" altLang="zh-CN"/>
           </a:p>
@@ -1428,6 +1424,7 @@
               <a:rPr lang="zh-CN" altLang="en-US" dirty="0" smtClean="0"/>
               <a:t>单击此处编辑母版文本样式</a:t>
             </a:r>
+            <a:endParaRPr lang="zh-CN" altLang="en-US" dirty="0" smtClean="0"/>
           </a:p>
           <a:p>
             <a:pPr lvl="1"/>
@@ -1435,6 +1432,7 @@
               <a:rPr lang="zh-CN" altLang="en-US" dirty="0" smtClean="0"/>
               <a:t>第二级</a:t>
             </a:r>
+            <a:endParaRPr lang="zh-CN" altLang="en-US" dirty="0" smtClean="0"/>
           </a:p>
           <a:p>
             <a:pPr lvl="2"/>
@@ -1442,6 +1440,7 @@
               <a:rPr lang="zh-CN" altLang="en-US" dirty="0" smtClean="0"/>
               <a:t>第三级</a:t>
             </a:r>
+            <a:endParaRPr lang="zh-CN" altLang="en-US" dirty="0" smtClean="0"/>
           </a:p>
           <a:p>
             <a:pPr lvl="3"/>
@@ -1449,6 +1448,7 @@
               <a:rPr lang="zh-CN" altLang="en-US" dirty="0" smtClean="0"/>
               <a:t>第四级</a:t>
             </a:r>
+            <a:endParaRPr lang="zh-CN" altLang="en-US" dirty="0" smtClean="0"/>
           </a:p>
         </p:txBody>
       </p:sp>
@@ -1510,6 +1510,7 @@
               <a:rPr lang="zh-CN" altLang="en-US" dirty="0" smtClean="0"/>
               <a:t>单击此处编辑母版文本样式</a:t>
             </a:r>
+            <a:endParaRPr lang="zh-CN" altLang="en-US" dirty="0" smtClean="0"/>
           </a:p>
         </p:txBody>
       </p:sp>
@@ -1566,7 +1567,6 @@
           <a:p>
             <a:fld id="{2030C94F-1E7C-47E3-9C60-176A530B03BF}" type="slidenum">
               <a:rPr lang="en-US" altLang="zh-CN"/>
-              <a:t>‹#›</a:t>
             </a:fld>
             <a:endParaRPr lang="zh-CN" altLang="zh-CN" sz="3200" b="0"/>
           </a:p>
@@ -1657,6 +1657,7 @@
               <a:rPr lang="zh-CN" altLang="en-US" dirty="0" smtClean="0"/>
               <a:t>单击此处编辑母版文本样式</a:t>
             </a:r>
+            <a:endParaRPr lang="zh-CN" altLang="en-US" dirty="0" smtClean="0"/>
           </a:p>
           <a:p>
             <a:pPr lvl="1"/>
@@ -1664,6 +1665,7 @@
               <a:rPr lang="zh-CN" altLang="en-US" dirty="0" smtClean="0"/>
               <a:t>第二级</a:t>
             </a:r>
+            <a:endParaRPr lang="zh-CN" altLang="en-US" dirty="0" smtClean="0"/>
           </a:p>
           <a:p>
             <a:pPr lvl="2"/>
@@ -1671,6 +1673,7 @@
               <a:rPr lang="zh-CN" altLang="en-US" dirty="0" smtClean="0"/>
               <a:t>第三级</a:t>
             </a:r>
+            <a:endParaRPr lang="zh-CN" altLang="en-US" dirty="0" smtClean="0"/>
           </a:p>
           <a:p>
             <a:pPr lvl="3"/>
@@ -1678,6 +1681,7 @@
               <a:rPr lang="zh-CN" altLang="en-US" dirty="0" smtClean="0"/>
               <a:t>第四级</a:t>
             </a:r>
+            <a:endParaRPr lang="zh-CN" altLang="en-US" dirty="0" smtClean="0"/>
           </a:p>
         </p:txBody>
       </p:sp>
@@ -1735,6 +1739,7 @@
               <a:rPr lang="zh-CN" altLang="en-US" dirty="0" smtClean="0"/>
               <a:t>单击此处编辑母版文本样式</a:t>
             </a:r>
+            <a:endParaRPr lang="zh-CN" altLang="en-US" dirty="0" smtClean="0"/>
           </a:p>
         </p:txBody>
       </p:sp>
@@ -1816,6 +1821,7 @@
               <a:rPr lang="zh-CN" altLang="en-US" dirty="0" smtClean="0"/>
               <a:t>单击此处编辑母版文本样式</a:t>
             </a:r>
+            <a:endParaRPr lang="zh-CN" altLang="en-US" dirty="0" smtClean="0"/>
           </a:p>
           <a:p>
             <a:pPr lvl="1"/>
@@ -1823,6 +1829,7 @@
               <a:rPr lang="zh-CN" altLang="en-US" dirty="0" smtClean="0"/>
               <a:t>第二级</a:t>
             </a:r>
+            <a:endParaRPr lang="zh-CN" altLang="en-US" dirty="0" smtClean="0"/>
           </a:p>
           <a:p>
             <a:pPr lvl="2"/>
@@ -1830,6 +1837,7 @@
               <a:rPr lang="zh-CN" altLang="en-US" dirty="0" smtClean="0"/>
               <a:t>第三级</a:t>
             </a:r>
+            <a:endParaRPr lang="zh-CN" altLang="en-US" dirty="0" smtClean="0"/>
           </a:p>
           <a:p>
             <a:pPr lvl="3"/>
@@ -1837,6 +1845,7 @@
               <a:rPr lang="zh-CN" altLang="en-US" dirty="0" smtClean="0"/>
               <a:t>第四级</a:t>
             </a:r>
+            <a:endParaRPr lang="zh-CN" altLang="en-US" dirty="0" smtClean="0"/>
           </a:p>
         </p:txBody>
       </p:sp>
@@ -1894,6 +1903,7 @@
               <a:rPr lang="zh-CN" altLang="en-US" dirty="0" smtClean="0"/>
               <a:t>单击此处编辑母版文本样式</a:t>
             </a:r>
+            <a:endParaRPr lang="zh-CN" altLang="en-US" dirty="0" smtClean="0"/>
           </a:p>
         </p:txBody>
       </p:sp>
@@ -1975,6 +1985,7 @@
               <a:rPr lang="zh-CN" altLang="en-US" dirty="0" smtClean="0"/>
               <a:t>单击此处编辑母版文本样式</a:t>
             </a:r>
+            <a:endParaRPr lang="zh-CN" altLang="en-US" dirty="0" smtClean="0"/>
           </a:p>
           <a:p>
             <a:pPr lvl="1"/>
@@ -1982,6 +1993,7 @@
               <a:rPr lang="zh-CN" altLang="en-US" dirty="0" smtClean="0"/>
               <a:t>第二级</a:t>
             </a:r>
+            <a:endParaRPr lang="zh-CN" altLang="en-US" dirty="0" smtClean="0"/>
           </a:p>
           <a:p>
             <a:pPr lvl="2"/>
@@ -1989,6 +2001,7 @@
               <a:rPr lang="zh-CN" altLang="en-US" dirty="0" smtClean="0"/>
               <a:t>第三级</a:t>
             </a:r>
+            <a:endParaRPr lang="zh-CN" altLang="en-US" dirty="0" smtClean="0"/>
           </a:p>
           <a:p>
             <a:pPr lvl="3"/>
@@ -1996,6 +2009,7 @@
               <a:rPr lang="zh-CN" altLang="en-US" dirty="0" smtClean="0"/>
               <a:t>第四级</a:t>
             </a:r>
+            <a:endParaRPr lang="zh-CN" altLang="en-US" dirty="0" smtClean="0"/>
           </a:p>
         </p:txBody>
       </p:sp>
@@ -2053,6 +2067,7 @@
               <a:rPr lang="zh-CN" altLang="en-US" dirty="0" smtClean="0"/>
               <a:t>单击此处编辑母版文本样式</a:t>
             </a:r>
+            <a:endParaRPr lang="zh-CN" altLang="en-US" dirty="0" smtClean="0"/>
           </a:p>
         </p:txBody>
       </p:sp>
@@ -2134,6 +2149,7 @@
               <a:rPr lang="zh-CN" altLang="en-US" dirty="0" smtClean="0"/>
               <a:t>单击此处编辑母版文本样式</a:t>
             </a:r>
+            <a:endParaRPr lang="zh-CN" altLang="en-US" dirty="0" smtClean="0"/>
           </a:p>
           <a:p>
             <a:pPr lvl="1"/>
@@ -2141,6 +2157,7 @@
               <a:rPr lang="zh-CN" altLang="en-US" dirty="0" smtClean="0"/>
               <a:t>第二级</a:t>
             </a:r>
+            <a:endParaRPr lang="zh-CN" altLang="en-US" dirty="0" smtClean="0"/>
           </a:p>
           <a:p>
             <a:pPr lvl="2"/>
@@ -2148,6 +2165,7 @@
               <a:rPr lang="zh-CN" altLang="en-US" dirty="0" smtClean="0"/>
               <a:t>第三级</a:t>
             </a:r>
+            <a:endParaRPr lang="zh-CN" altLang="en-US" dirty="0" smtClean="0"/>
           </a:p>
           <a:p>
             <a:pPr lvl="3"/>
@@ -2155,6 +2173,7 @@
               <a:rPr lang="zh-CN" altLang="en-US" dirty="0" smtClean="0"/>
               <a:t>第四级</a:t>
             </a:r>
+            <a:endParaRPr lang="zh-CN" altLang="en-US" dirty="0" smtClean="0"/>
           </a:p>
         </p:txBody>
       </p:sp>
@@ -2212,6 +2231,7 @@
               <a:rPr lang="zh-CN" altLang="en-US" dirty="0" smtClean="0"/>
               <a:t>单击此处编辑母版文本样式</a:t>
             </a:r>
+            <a:endParaRPr lang="zh-CN" altLang="en-US" dirty="0" smtClean="0"/>
           </a:p>
         </p:txBody>
       </p:sp>
@@ -2293,6 +2313,7 @@
               <a:rPr lang="zh-CN" altLang="en-US" dirty="0" smtClean="0"/>
               <a:t>单击此处编辑母版文本样式</a:t>
             </a:r>
+            <a:endParaRPr lang="zh-CN" altLang="en-US" dirty="0" smtClean="0"/>
           </a:p>
           <a:p>
             <a:pPr lvl="1"/>
@@ -2300,6 +2321,7 @@
               <a:rPr lang="zh-CN" altLang="en-US" dirty="0" smtClean="0"/>
               <a:t>第二级</a:t>
             </a:r>
+            <a:endParaRPr lang="zh-CN" altLang="en-US" dirty="0" smtClean="0"/>
           </a:p>
           <a:p>
             <a:pPr lvl="2"/>
@@ -2307,6 +2329,7 @@
               <a:rPr lang="zh-CN" altLang="en-US" dirty="0" smtClean="0"/>
               <a:t>第三级</a:t>
             </a:r>
+            <a:endParaRPr lang="zh-CN" altLang="en-US" dirty="0" smtClean="0"/>
           </a:p>
           <a:p>
             <a:pPr lvl="3"/>
@@ -2314,6 +2337,7 @@
               <a:rPr lang="zh-CN" altLang="en-US" dirty="0" smtClean="0"/>
               <a:t>第四级</a:t>
             </a:r>
+            <a:endParaRPr lang="zh-CN" altLang="en-US" dirty="0" smtClean="0"/>
           </a:p>
         </p:txBody>
       </p:sp>
@@ -2371,6 +2395,7 @@
               <a:rPr lang="zh-CN" altLang="en-US" dirty="0" smtClean="0"/>
               <a:t>单击此处编辑母版文本样式</a:t>
             </a:r>
+            <a:endParaRPr lang="zh-CN" altLang="en-US" dirty="0" smtClean="0"/>
           </a:p>
         </p:txBody>
       </p:sp>
@@ -2452,6 +2477,7 @@
               <a:rPr lang="zh-CN" altLang="en-US" dirty="0" smtClean="0"/>
               <a:t>单击此处编辑母版文本样式</a:t>
             </a:r>
+            <a:endParaRPr lang="zh-CN" altLang="en-US" dirty="0" smtClean="0"/>
           </a:p>
           <a:p>
             <a:pPr lvl="1"/>
@@ -2459,6 +2485,7 @@
               <a:rPr lang="zh-CN" altLang="en-US" dirty="0" smtClean="0"/>
               <a:t>第二级</a:t>
             </a:r>
+            <a:endParaRPr lang="zh-CN" altLang="en-US" dirty="0" smtClean="0"/>
           </a:p>
           <a:p>
             <a:pPr lvl="2"/>
@@ -2466,6 +2493,7 @@
               <a:rPr lang="zh-CN" altLang="en-US" dirty="0" smtClean="0"/>
               <a:t>第三级</a:t>
             </a:r>
+            <a:endParaRPr lang="zh-CN" altLang="en-US" dirty="0" smtClean="0"/>
           </a:p>
           <a:p>
             <a:pPr lvl="3"/>
@@ -2473,6 +2501,7 @@
               <a:rPr lang="zh-CN" altLang="en-US" dirty="0" smtClean="0"/>
               <a:t>第四级</a:t>
             </a:r>
+            <a:endParaRPr lang="zh-CN" altLang="en-US" dirty="0" smtClean="0"/>
           </a:p>
         </p:txBody>
       </p:sp>
@@ -2530,6 +2559,7 @@
               <a:rPr lang="zh-CN" altLang="en-US" dirty="0" smtClean="0"/>
               <a:t>单击此处编辑母版文本样式</a:t>
             </a:r>
+            <a:endParaRPr lang="zh-CN" altLang="en-US" dirty="0" smtClean="0"/>
           </a:p>
         </p:txBody>
       </p:sp>
@@ -2547,7 +2577,7 @@
     <p:bg bwMode="auto">
       <p:bgPr>
         <a:blipFill dpi="0" rotWithShape="0">
-          <a:blip r:embed="rId10"/>
+          <a:blip r:embed="rId9"/>
           <a:srcRect/>
           <a:stretch>
             <a:fillRect/>
@@ -2606,7 +2636,6 @@
           <a:p>
             <a:fld id="{43A45880-9E2A-43E4-955C-AEB11E14255E}" type="slidenum">
               <a:rPr lang="en-US" altLang="zh-CN"/>
-              <a:t>‹#›</a:t>
             </a:fld>
             <a:endParaRPr lang="zh-CN" altLang="zh-CN"/>
           </a:p>
@@ -2621,7 +2650,7 @@
           <p:nvPr/>
         </p:nvPicPr>
         <p:blipFill>
-          <a:blip r:embed="rId11">
+          <a:blip r:embed="rId10">
             <a:extLst>
               <a:ext uri="{28A0092B-C50C-407E-A947-70E740481C1C}">
                 <a14:useLocalDpi xmlns:a14="http://schemas.microsoft.com/office/drawing/2010/main" val="0"/>
@@ -2675,7 +2704,7 @@
           <p:nvPr/>
         </p:nvPicPr>
         <p:blipFill>
-          <a:blip r:embed="rId12">
+          <a:blip r:embed="rId11">
             <a:extLst>
               <a:ext uri="{28A0092B-C50C-407E-A947-70E740481C1C}">
                 <a14:useLocalDpi xmlns:a14="http://schemas.microsoft.com/office/drawing/2010/main" val="0"/>
@@ -3187,7 +3216,7 @@
           <p:nvPr/>
         </p:nvPicPr>
         <p:blipFill>
-          <a:blip r:embed="rId2">
+          <a:blip r:embed="rId1">
             <a:extLst>
               <a:ext uri="{28A0092B-C50C-407E-A947-70E740481C1C}">
                 <a14:useLocalDpi xmlns:a14="http://schemas.microsoft.com/office/drawing/2010/main" val="0"/>
@@ -3481,7 +3510,7 @@
           <p:nvPr/>
         </p:nvPicPr>
         <p:blipFill>
-          <a:blip r:embed="rId3">
+          <a:blip r:embed="rId2">
             <a:extLst>
               <a:ext uri="{28A0092B-C50C-407E-A947-70E740481C1C}">
                 <a14:useLocalDpi xmlns:a14="http://schemas.microsoft.com/office/drawing/2010/main" val="0"/>
@@ -3639,6 +3668,12 @@
               </a:rPr>
               <a:t>采用的是静态词法作用域，代码完成后作用域链就已形成，与代码的执行顺序无关</a:t>
             </a:r>
+            <a:endParaRPr kumimoji="0" lang="zh-CN" altLang="en-US" sz="2000" dirty="0" smtClean="0">
+              <a:solidFill>
+                <a:srgbClr val="000000"/>
+              </a:solidFill>
+              <a:sym typeface="+mn-ea"/>
+            </a:endParaRPr>
           </a:p>
           <a:p>
             <a:pPr>
@@ -3655,15 +3690,6 @@
               </a:rPr>
               <a:t>全局变量与局部变量</a:t>
             </a:r>
-            <a:r>
-              <a:rPr kumimoji="0" lang="zh-CN" altLang="en-US" sz="2000" dirty="0" smtClean="0">
-                <a:solidFill>
-                  <a:schemeClr val="tx1"/>
-                </a:solidFill>
-                <a:sym typeface="+mn-ea"/>
-              </a:rPr>
-              <a:t/>
-            </a:r>
             <a:br>
               <a:rPr kumimoji="0" lang="zh-CN" altLang="en-US" sz="2000" dirty="0" smtClean="0">
                 <a:solidFill>
@@ -3778,15 +3804,6 @@
               </a:rPr>
               <a:t>函数内声明的变量，只在函数体内有定义，作用域是局部性的</a:t>
             </a:r>
-            <a:r>
-              <a:rPr kumimoji="0" lang="en-US" altLang="zh-CN" sz="2000" dirty="0" smtClean="0">
-                <a:solidFill>
-                  <a:schemeClr val="tx1"/>
-                </a:solidFill>
-                <a:sym typeface="+mn-ea"/>
-              </a:rPr>
-              <a:t/>
-            </a:r>
             <a:br>
               <a:rPr kumimoji="0" lang="en-US" altLang="zh-CN" sz="2000" dirty="0" smtClean="0">
                 <a:solidFill>
@@ -3811,15 +3828,7 @@
                 </a:solidFill>
                 <a:sym typeface="+mn-ea"/>
               </a:rPr>
-              <a:t>在函数外不能直接访问函数的局部变量</a:t>
-            </a:r>
-            <a:r>
-              <a:rPr kumimoji="0" lang="zh-CN" altLang="en-US" sz="3200" dirty="0" smtClean="0">
-                <a:solidFill>
-                  <a:schemeClr val="tx1"/>
-                </a:solidFill>
-              </a:rPr>
-              <a:t/>
+              <a:t>在函数外不能直接访问函数的局部变量，但可以通过闭包来访问</a:t>
             </a:r>
             <a:br>
               <a:rPr kumimoji="0" lang="zh-CN" altLang="en-US" sz="3200" dirty="0" smtClean="0">
@@ -3844,6 +3853,11 @@
               </a:rPr>
               <a:t>函数内访问同名变量时，局部变量会覆盖全局变量</a:t>
             </a:r>
+            <a:endParaRPr kumimoji="0" lang="zh-CN" altLang="en-US" sz="2000" dirty="0" smtClean="0">
+              <a:solidFill>
+                <a:schemeClr val="tx1"/>
+              </a:solidFill>
+            </a:endParaRPr>
           </a:p>
           <a:p>
             <a:pPr>
@@ -4034,6 +4048,7 @@
               <a:rPr kumimoji="0" lang="zh-CN" dirty="0"/>
               <a:t>变量作用域简介</a:t>
             </a:r>
+            <a:endParaRPr kumimoji="0" lang="zh-CN" dirty="0"/>
           </a:p>
         </p:txBody>
       </p:sp>
@@ -4090,6 +4105,13 @@
               </a:rPr>
               <a:t>作用域的案例（回顾）</a:t>
             </a:r>
+            <a:endParaRPr lang="zh-CN" altLang="en-US" sz="2200">
+              <a:solidFill>
+                <a:srgbClr val="FF0000"/>
+              </a:solidFill>
+              <a:latin typeface="+mn-ea"/>
+              <a:ea typeface="+mn-ea"/>
+            </a:endParaRPr>
           </a:p>
         </p:txBody>
       </p:sp>
@@ -4614,14 +4636,6 @@
               </a:rPr>
               <a:t>）</a:t>
             </a:r>
-            <a:r>
-              <a:rPr kumimoji="0" lang="zh-CN" altLang="en-US" sz="2000" dirty="0" smtClean="0">
-                <a:solidFill>
-                  <a:schemeClr val="tx1"/>
-                </a:solidFill>
-              </a:rPr>
-              <a:t/>
-            </a:r>
             <a:br>
               <a:rPr kumimoji="0" lang="zh-CN" altLang="en-US" sz="2000" dirty="0" smtClean="0">
                 <a:solidFill>
@@ -4629,15 +4643,6 @@
                 </a:solidFill>
               </a:rPr>
             </a:br>
-            <a:r>
-              <a:rPr kumimoji="0" lang="zh-CN" altLang="en-US" sz="2000" dirty="0" smtClean="0">
-                <a:solidFill>
-                  <a:schemeClr val="tx1"/>
-                </a:solidFill>
-                <a:sym typeface="+mn-ea"/>
-              </a:rPr>
-              <a:t/>
-            </a:r>
             <a:br>
               <a:rPr kumimoji="0" lang="zh-CN" altLang="en-US" sz="2000" dirty="0" smtClean="0">
                 <a:solidFill>
@@ -4707,6 +4712,7 @@
               <a:rPr kumimoji="0" lang="zh-CN" altLang="en-US" dirty="0"/>
               <a:t>预解析与作用域</a:t>
             </a:r>
+            <a:endParaRPr kumimoji="0" lang="zh-CN" altLang="en-US" dirty="0"/>
           </a:p>
         </p:txBody>
       </p:sp>
@@ -4719,7 +4725,7 @@
           <p:nvPr/>
         </p:nvPicPr>
         <p:blipFill>
-          <a:blip r:embed="rId3"/>
+          <a:blip r:embed="rId1"/>
           <a:srcRect b="73708"/>
           <a:stretch>
             <a:fillRect/>
@@ -4744,7 +4750,7 @@
           <p:nvPr/>
         </p:nvPicPr>
         <p:blipFill>
-          <a:blip r:embed="rId4"/>
+          <a:blip r:embed="rId2"/>
           <a:srcRect b="72146"/>
           <a:stretch>
             <a:fillRect/>
@@ -4769,7 +4775,7 @@
           <p:nvPr/>
         </p:nvPicPr>
         <p:blipFill>
-          <a:blip r:embed="rId3"/>
+          <a:blip r:embed="rId1"/>
           <a:srcRect t="29777" b="20007"/>
           <a:stretch>
             <a:fillRect/>
@@ -4794,7 +4800,7 @@
           <p:nvPr/>
         </p:nvPicPr>
         <p:blipFill>
-          <a:blip r:embed="rId4"/>
+          <a:blip r:embed="rId2"/>
           <a:srcRect t="31024" b="19059"/>
           <a:stretch>
             <a:fillRect/>
@@ -4836,12 +4842,14 @@
               <a:rPr lang="zh-CN" altLang="en-US" sz="2400"/>
               <a:t>等价于</a:t>
             </a:r>
+            <a:endParaRPr lang="zh-CN" altLang="en-US" sz="2400"/>
           </a:p>
           <a:p>
             <a:r>
               <a:rPr lang="en-US" altLang="zh-CN" sz="2400"/>
               <a:t>=&gt;</a:t>
             </a:r>
+            <a:endParaRPr lang="en-US" altLang="zh-CN" sz="2400"/>
           </a:p>
         </p:txBody>
       </p:sp>
@@ -4871,12 +4879,14 @@
               <a:rPr lang="zh-CN" altLang="en-US" sz="2400"/>
               <a:t>等价于</a:t>
             </a:r>
+            <a:endParaRPr lang="zh-CN" altLang="en-US" sz="2400"/>
           </a:p>
           <a:p>
             <a:r>
               <a:rPr lang="en-US" altLang="zh-CN" sz="2400"/>
               <a:t>=&gt;</a:t>
             </a:r>
+            <a:endParaRPr lang="en-US" altLang="zh-CN" sz="2400"/>
           </a:p>
         </p:txBody>
       </p:sp>
@@ -4933,6 +4943,13 @@
               </a:rPr>
               <a:t>预解析与作用域</a:t>
             </a:r>
+            <a:endParaRPr lang="zh-CN" altLang="en-US" sz="2200">
+              <a:solidFill>
+                <a:srgbClr val="FF0000"/>
+              </a:solidFill>
+              <a:latin typeface="+mn-ea"/>
+              <a:ea typeface="+mn-ea"/>
+            </a:endParaRPr>
           </a:p>
         </p:txBody>
       </p:sp>
@@ -4945,7 +4962,7 @@
           <p:nvPr/>
         </p:nvPicPr>
         <p:blipFill>
-          <a:blip r:embed="rId3"/>
+          <a:blip r:embed="rId1"/>
           <a:srcRect t="79193" r="42694"/>
           <a:stretch>
             <a:fillRect/>
@@ -4970,7 +4987,7 @@
           <p:nvPr/>
         </p:nvPicPr>
         <p:blipFill>
-          <a:blip r:embed="rId4"/>
+          <a:blip r:embed="rId2"/>
           <a:srcRect t="81545"/>
           <a:stretch>
             <a:fillRect/>
@@ -6128,6 +6145,11 @@
               </a:rPr>
               <a:t>变量及函数声明前置</a:t>
             </a:r>
+            <a:endParaRPr lang="zh-CN" altLang="en-US" sz="2800" b="1">
+              <a:solidFill>
+                <a:schemeClr val="tx1"/>
+              </a:solidFill>
+            </a:endParaRPr>
           </a:p>
           <a:p>
             <a:pPr algn="l">
@@ -6154,6 +6176,11 @@
               </a:rPr>
               <a:t>预解析与作用域</a:t>
             </a:r>
+            <a:endParaRPr lang="zh-CN" altLang="en-US" sz="2800" b="1">
+              <a:solidFill>
+                <a:schemeClr val="tx1"/>
+              </a:solidFill>
+            </a:endParaRPr>
           </a:p>
         </p:txBody>
       </p:sp>
@@ -6416,7 +6443,7 @@
           <p:nvPr/>
         </p:nvPicPr>
         <p:blipFill>
-          <a:blip r:embed="rId2">
+          <a:blip r:embed="rId1">
             <a:extLst>
               <a:ext uri="{28A0092B-C50C-407E-A947-70E740481C1C}">
                 <a14:useLocalDpi xmlns:a14="http://schemas.microsoft.com/office/drawing/2010/main" val="0"/>
@@ -6534,7 +6561,7 @@
           <p:nvPr/>
         </p:nvPicPr>
         <p:blipFill>
-          <a:blip r:embed="rId3">
+          <a:blip r:embed="rId2">
             <a:extLst>
               <a:ext uri="{28A0092B-C50C-407E-A947-70E740481C1C}">
                 <a14:useLocalDpi xmlns:a14="http://schemas.microsoft.com/office/drawing/2010/main" val="0"/>
@@ -6665,15 +6692,6 @@
               </a:rPr>
               <a:t>复习本章节课件及练习</a:t>
             </a:r>
-            <a:r>
-              <a:rPr lang="en-US" altLang="zh-CN" sz="2000" dirty="0" smtClean="0">
-                <a:solidFill>
-                  <a:srgbClr val="000000"/>
-                </a:solidFill>
-                <a:sym typeface="+mn-ea"/>
-              </a:rPr>
-              <a:t/>
-            </a:r>
             <a:br>
               <a:rPr lang="en-US" altLang="zh-CN" sz="2000" dirty="0" smtClean="0">
                 <a:solidFill>
@@ -6682,14 +6700,6 @@
                 <a:sym typeface="+mn-ea"/>
               </a:rPr>
             </a:br>
-            <a:r>
-              <a:rPr kumimoji="0" lang="zh-CN" altLang="en-US" sz="2000" dirty="0" smtClean="0">
-                <a:solidFill>
-                  <a:schemeClr val="tx1"/>
-                </a:solidFill>
-              </a:rPr>
-              <a:t/>
-            </a:r>
             <a:br>
               <a:rPr kumimoji="0" lang="zh-CN" altLang="en-US" sz="2000" dirty="0" smtClean="0">
                 <a:solidFill>
@@ -6697,14 +6707,6 @@
                 </a:solidFill>
               </a:rPr>
             </a:br>
-            <a:r>
-              <a:rPr kumimoji="0" lang="zh-CN" altLang="en-US" sz="2000" dirty="0" smtClean="0">
-                <a:solidFill>
-                  <a:schemeClr val="tx1"/>
-                </a:solidFill>
-              </a:rPr>
-              <a:t/>
-            </a:r>
             <a:br>
               <a:rPr kumimoji="0" lang="zh-CN" altLang="en-US" sz="2000" dirty="0" smtClean="0">
                 <a:solidFill>
@@ -6712,14 +6714,6 @@
                 </a:solidFill>
               </a:rPr>
             </a:br>
-            <a:r>
-              <a:rPr kumimoji="0" lang="zh-CN" altLang="en-US" sz="2000" dirty="0" smtClean="0">
-                <a:solidFill>
-                  <a:schemeClr val="tx1"/>
-                </a:solidFill>
-              </a:rPr>
-              <a:t/>
-            </a:r>
             <a:br>
               <a:rPr kumimoji="0" lang="zh-CN" altLang="en-US" sz="2000" dirty="0" smtClean="0">
                 <a:solidFill>
@@ -6727,14 +6721,6 @@
                 </a:solidFill>
               </a:rPr>
             </a:br>
-            <a:r>
-              <a:rPr kumimoji="0" lang="zh-CN" altLang="en-US" sz="2000" dirty="0" smtClean="0">
-                <a:solidFill>
-                  <a:schemeClr val="tx1"/>
-                </a:solidFill>
-              </a:rPr>
-              <a:t/>
-            </a:r>
             <a:br>
               <a:rPr kumimoji="0" lang="zh-CN" altLang="en-US" sz="2000" dirty="0" smtClean="0">
                 <a:solidFill>
@@ -6742,14 +6728,6 @@
                 </a:solidFill>
               </a:rPr>
             </a:br>
-            <a:r>
-              <a:rPr kumimoji="0" lang="zh-CN" altLang="en-US" sz="2000" dirty="0" smtClean="0">
-                <a:solidFill>
-                  <a:schemeClr val="tx1"/>
-                </a:solidFill>
-              </a:rPr>
-              <a:t/>
-            </a:r>
             <a:br>
               <a:rPr kumimoji="0" lang="zh-CN" altLang="en-US" sz="2000" dirty="0" smtClean="0">
                 <a:solidFill>
@@ -6757,14 +6735,6 @@
                 </a:solidFill>
               </a:rPr>
             </a:br>
-            <a:r>
-              <a:rPr kumimoji="0" lang="zh-CN" altLang="en-US" sz="2000" dirty="0" smtClean="0">
-                <a:solidFill>
-                  <a:schemeClr val="tx1"/>
-                </a:solidFill>
-              </a:rPr>
-              <a:t/>
-            </a:r>
             <a:br>
               <a:rPr kumimoji="0" lang="zh-CN" altLang="en-US" sz="2000" dirty="0" smtClean="0">
                 <a:solidFill>
@@ -6772,14 +6742,6 @@
                 </a:solidFill>
               </a:rPr>
             </a:br>
-            <a:r>
-              <a:rPr kumimoji="0" lang="zh-CN" altLang="en-US" sz="2000" dirty="0" smtClean="0">
-                <a:solidFill>
-                  <a:schemeClr val="tx1"/>
-                </a:solidFill>
-              </a:rPr>
-              <a:t/>
-            </a:r>
             <a:br>
               <a:rPr kumimoji="0" lang="zh-CN" altLang="en-US" sz="2000" dirty="0" smtClean="0">
                 <a:solidFill>
@@ -6787,14 +6749,6 @@
                 </a:solidFill>
               </a:rPr>
             </a:br>
-            <a:r>
-              <a:rPr kumimoji="0" lang="zh-CN" altLang="en-US" sz="2000" dirty="0" smtClean="0">
-                <a:solidFill>
-                  <a:schemeClr val="tx1"/>
-                </a:solidFill>
-              </a:rPr>
-              <a:t/>
-            </a:r>
             <a:br>
               <a:rPr kumimoji="0" lang="zh-CN" altLang="en-US" sz="2000" dirty="0" smtClean="0">
                 <a:solidFill>
@@ -6858,6 +6812,7 @@
               <a:rPr kumimoji="0" lang="zh-CN" altLang="en-US" dirty="0"/>
               <a:t>作业 ：</a:t>
             </a:r>
+            <a:endParaRPr kumimoji="0" lang="zh-CN" altLang="en-US" dirty="0"/>
           </a:p>
         </p:txBody>
       </p:sp>
@@ -7073,6 +7028,12 @@
               </a:rPr>
               <a:t>解析及执行简介</a:t>
             </a:r>
+            <a:endParaRPr lang="zh-CN" altLang="en-US" sz="2800" b="1">
+              <a:solidFill>
+                <a:srgbClr val="FF0000"/>
+              </a:solidFill>
+              <a:sym typeface="+mn-ea"/>
+            </a:endParaRPr>
           </a:p>
           <a:p>
             <a:pPr algn="l">
@@ -7099,6 +7060,7 @@
               <a:rPr lang="zh-CN" altLang="en-US" sz="2800" b="1"/>
               <a:t>预解析（声明提升）</a:t>
             </a:r>
+            <a:endParaRPr lang="zh-CN" altLang="en-US" sz="2800" b="1"/>
           </a:p>
           <a:p>
             <a:pPr algn="l">
@@ -7121,6 +7083,7 @@
               <a:rPr lang="zh-CN" altLang="en-US" sz="2800" b="1"/>
               <a:t>预解析与作用域</a:t>
             </a:r>
+            <a:endParaRPr lang="zh-CN" altLang="en-US" sz="2800" b="1"/>
           </a:p>
         </p:txBody>
       </p:sp>
@@ -7535,6 +7498,12 @@
               </a:rPr>
               <a:t>编译成字节码（运行在跨平台虚拟机上）的解析执行</a:t>
             </a:r>
+            <a:endParaRPr kumimoji="0" lang="zh-CN" altLang="en-US" sz="2000" dirty="0">
+              <a:solidFill>
+                <a:schemeClr val="tx1"/>
+              </a:solidFill>
+              <a:sym typeface="+mn-ea"/>
+            </a:endParaRPr>
           </a:p>
           <a:p>
             <a:pPr>
@@ -7568,15 +7537,6 @@
                 <a:sym typeface="+mn-ea"/>
               </a:rPr>
             </a:br>
-            <a:r>
-              <a:rPr kumimoji="0" lang="zh-CN" altLang="en-US" dirty="0">
-                <a:solidFill>
-                  <a:schemeClr val="tx1"/>
-                </a:solidFill>
-                <a:sym typeface="+mn-ea"/>
-              </a:rPr>
-              <a:t/>
-            </a:r>
             <a:br>
               <a:rPr kumimoji="0" lang="zh-CN" altLang="en-US" dirty="0">
                 <a:solidFill>
@@ -7722,14 +7682,6 @@
                 </a:solidFill>
               </a:rPr>
               <a:t>进行函数范围内的预解析</a:t>
-            </a:r>
-            <a:r>
-              <a:rPr kumimoji="0" lang="zh-CN" altLang="en-US" sz="2000" dirty="0" smtClean="0">
-                <a:solidFill>
-                  <a:schemeClr val="tx1"/>
-                </a:solidFill>
-              </a:rPr>
-              <a:t/>
             </a:r>
             <a:br>
               <a:rPr kumimoji="0" lang="zh-CN" altLang="en-US" sz="2000" dirty="0" smtClean="0">
@@ -7823,6 +7775,7 @@
               <a:rPr kumimoji="0" lang="zh-CN" altLang="en-US" dirty="0"/>
               <a:t>解析及执行简介</a:t>
             </a:r>
+            <a:endParaRPr kumimoji="0" lang="zh-CN" altLang="en-US" dirty="0"/>
           </a:p>
         </p:txBody>
       </p:sp>
@@ -7835,7 +7788,7 @@
           <p:nvPr/>
         </p:nvPicPr>
         <p:blipFill>
-          <a:blip r:embed="rId3"/>
+          <a:blip r:embed="rId1"/>
           <a:srcRect r="42800"/>
           <a:stretch>
             <a:fillRect/>
@@ -7860,7 +7813,7 @@
           <p:nvPr/>
         </p:nvPicPr>
         <p:blipFill>
-          <a:blip r:embed="rId3"/>
+          <a:blip r:embed="rId1"/>
           <a:srcRect l="56412" r="-1091"/>
           <a:stretch>
             <a:fillRect/>
@@ -7885,7 +7838,7 @@
           <p:nvPr/>
         </p:nvPicPr>
         <p:blipFill>
-          <a:blip r:embed="rId4"/>
+          <a:blip r:embed="rId2"/>
           <a:stretch>
             <a:fillRect/>
           </a:stretch>
@@ -7973,6 +7926,13 @@
               </a:rPr>
               <a:t>是一个不断交替的过程</a:t>
             </a:r>
+            <a:endParaRPr lang="zh-CN" sz="2200">
+              <a:solidFill>
+                <a:schemeClr val="tx1"/>
+              </a:solidFill>
+              <a:latin typeface="+mn-ea"/>
+              <a:ea typeface="+mn-ea"/>
+            </a:endParaRPr>
           </a:p>
         </p:txBody>
       </p:sp>
@@ -8876,6 +8836,11 @@
               </a:rPr>
               <a:t>解析及执行简介</a:t>
             </a:r>
+            <a:endParaRPr lang="zh-CN" altLang="en-US" sz="2800" b="1">
+              <a:solidFill>
+                <a:schemeClr val="tx1"/>
+              </a:solidFill>
+            </a:endParaRPr>
           </a:p>
           <a:p>
             <a:pPr algn="l">
@@ -8912,6 +8877,12 @@
               </a:rPr>
               <a:t>预解析（声明提升）</a:t>
             </a:r>
+            <a:endParaRPr lang="zh-CN" altLang="en-US" sz="2800" b="1">
+              <a:solidFill>
+                <a:srgbClr val="FF0000"/>
+              </a:solidFill>
+              <a:sym typeface="+mn-ea"/>
+            </a:endParaRPr>
           </a:p>
           <a:p>
             <a:pPr algn="l">
@@ -8934,6 +8905,7 @@
               <a:rPr lang="zh-CN" altLang="en-US" sz="2800" b="1"/>
               <a:t>预解析与作用域</a:t>
             </a:r>
+            <a:endParaRPr lang="zh-CN" altLang="en-US" sz="2800" b="1"/>
           </a:p>
         </p:txBody>
       </p:sp>
@@ -9338,6 +9310,12 @@
               </a:rPr>
               <a:t>当前作用域（全局、函数）内进行提升</a:t>
             </a:r>
+            <a:endParaRPr kumimoji="0" lang="zh-CN" altLang="en-US" sz="2000" dirty="0">
+              <a:solidFill>
+                <a:schemeClr val="accent3"/>
+              </a:solidFill>
+              <a:sym typeface="+mn-ea"/>
+            </a:endParaRPr>
           </a:p>
           <a:p>
             <a:pPr>
@@ -9354,14 +9332,6 @@
               </a:rPr>
               <a:t>变量声明提升案例</a:t>
             </a:r>
-            <a:r>
-              <a:rPr kumimoji="0" lang="zh-CN" altLang="en-US" sz="2000" dirty="0" smtClean="0">
-                <a:solidFill>
-                  <a:schemeClr val="tx1"/>
-                </a:solidFill>
-              </a:rPr>
-              <a:t/>
-            </a:r>
             <a:br>
               <a:rPr kumimoji="0" lang="zh-CN" altLang="en-US" sz="2000" dirty="0" smtClean="0">
                 <a:solidFill>
@@ -9369,15 +9339,6 @@
                 </a:solidFill>
               </a:rPr>
             </a:br>
-            <a:r>
-              <a:rPr kumimoji="0" lang="zh-CN" altLang="en-US" sz="2000" dirty="0" smtClean="0">
-                <a:solidFill>
-                  <a:schemeClr val="tx1"/>
-                </a:solidFill>
-                <a:sym typeface="+mn-ea"/>
-              </a:rPr>
-              <a:t/>
-            </a:r>
             <a:br>
               <a:rPr kumimoji="0" lang="zh-CN" altLang="en-US" sz="2000" dirty="0" smtClean="0">
                 <a:solidFill>
@@ -9455,6 +9416,7 @@
               <a:rPr kumimoji="0" lang="zh-CN" altLang="en-US" dirty="0"/>
               <a:t>声明提升</a:t>
             </a:r>
+            <a:endParaRPr kumimoji="0" lang="zh-CN" altLang="en-US" dirty="0"/>
           </a:p>
         </p:txBody>
       </p:sp>
@@ -9467,7 +9429,7 @@
           <p:nvPr/>
         </p:nvPicPr>
         <p:blipFill>
-          <a:blip r:embed="rId3"/>
+          <a:blip r:embed="rId1"/>
           <a:srcRect r="54844" b="79422"/>
           <a:stretch>
             <a:fillRect/>
@@ -9513,6 +9475,11 @@
               </a:rPr>
               <a:t>等价于</a:t>
             </a:r>
+            <a:endParaRPr lang="zh-CN" altLang="en-US" sz="2400">
+              <a:solidFill>
+                <a:srgbClr val="FF0000"/>
+              </a:solidFill>
+            </a:endParaRPr>
           </a:p>
           <a:p>
             <a:r>
@@ -9523,6 +9490,11 @@
               </a:rPr>
               <a:t>=&gt;</a:t>
             </a:r>
+            <a:endParaRPr lang="en-US" altLang="zh-CN" sz="2400">
+              <a:solidFill>
+                <a:srgbClr val="FF0000"/>
+              </a:solidFill>
+            </a:endParaRPr>
           </a:p>
         </p:txBody>
       </p:sp>
@@ -9535,7 +9507,7 @@
           <p:nvPr/>
         </p:nvPicPr>
         <p:blipFill>
-          <a:blip r:embed="rId4"/>
+          <a:blip r:embed="rId2"/>
           <a:stretch>
             <a:fillRect/>
           </a:stretch>
@@ -10259,14 +10231,6 @@
               </a:rPr>
               <a:t>函数声明提升案例</a:t>
             </a:r>
-            <a:r>
-              <a:rPr kumimoji="0" lang="zh-CN" altLang="en-US" sz="2000" dirty="0" smtClean="0">
-                <a:solidFill>
-                  <a:schemeClr val="tx1"/>
-                </a:solidFill>
-              </a:rPr>
-              <a:t/>
-            </a:r>
             <a:br>
               <a:rPr kumimoji="0" lang="zh-CN" altLang="en-US" sz="2000" dirty="0" smtClean="0">
                 <a:solidFill>
@@ -10274,15 +10238,6 @@
                 </a:solidFill>
               </a:rPr>
             </a:br>
-            <a:r>
-              <a:rPr kumimoji="0" lang="zh-CN" altLang="en-US" sz="2000" dirty="0" smtClean="0">
-                <a:solidFill>
-                  <a:schemeClr val="tx1"/>
-                </a:solidFill>
-                <a:sym typeface="+mn-ea"/>
-              </a:rPr>
-              <a:t/>
-            </a:r>
             <a:br>
               <a:rPr kumimoji="0" lang="zh-CN" altLang="en-US" sz="2000" dirty="0" smtClean="0">
                 <a:solidFill>
@@ -10360,6 +10315,7 @@
               <a:rPr kumimoji="0" lang="zh-CN" altLang="en-US" dirty="0"/>
               <a:t>声明提升</a:t>
             </a:r>
+            <a:endParaRPr kumimoji="0" lang="zh-CN" altLang="en-US" dirty="0"/>
           </a:p>
         </p:txBody>
       </p:sp>
@@ -10393,6 +10349,11 @@
               </a:rPr>
               <a:t>等价于</a:t>
             </a:r>
+            <a:endParaRPr lang="zh-CN" altLang="en-US" sz="2800">
+              <a:solidFill>
+                <a:srgbClr val="FF0000"/>
+              </a:solidFill>
+            </a:endParaRPr>
           </a:p>
           <a:p>
             <a:r>
@@ -10403,6 +10364,11 @@
               </a:rPr>
               <a:t>=&gt;</a:t>
             </a:r>
+            <a:endParaRPr lang="en-US" altLang="zh-CN" sz="2800">
+              <a:solidFill>
+                <a:srgbClr val="FF0000"/>
+              </a:solidFill>
+            </a:endParaRPr>
           </a:p>
         </p:txBody>
       </p:sp>
@@ -10415,7 +10381,7 @@
           <p:nvPr/>
         </p:nvPicPr>
         <p:blipFill>
-          <a:blip r:embed="rId3"/>
+          <a:blip r:embed="rId1"/>
           <a:stretch>
             <a:fillRect/>
           </a:stretch>
@@ -10439,7 +10405,7 @@
           <p:nvPr/>
         </p:nvPicPr>
         <p:blipFill>
-          <a:blip r:embed="rId4"/>
+          <a:blip r:embed="rId2"/>
           <a:stretch>
             <a:fillRect/>
           </a:stretch>
@@ -10488,6 +10454,7 @@
               <a:rPr lang="zh-CN" altLang="en-US" sz="2400"/>
               <a:t>中函数及变量声明重复的话，相当于覆盖</a:t>
             </a:r>
+            <a:endParaRPr lang="zh-CN" altLang="en-US" sz="2400"/>
           </a:p>
         </p:txBody>
       </p:sp>
@@ -11225,14 +11192,6 @@
               </a:rPr>
               <a:t>：函数表达式）</a:t>
             </a:r>
-            <a:r>
-              <a:rPr kumimoji="0" lang="zh-CN" altLang="en-US" sz="2000" dirty="0" smtClean="0">
-                <a:solidFill>
-                  <a:schemeClr val="tx1"/>
-                </a:solidFill>
-              </a:rPr>
-              <a:t/>
-            </a:r>
             <a:br>
               <a:rPr kumimoji="0" lang="zh-CN" altLang="en-US" sz="2000" dirty="0" smtClean="0">
                 <a:solidFill>
@@ -11240,15 +11199,6 @@
                 </a:solidFill>
               </a:rPr>
             </a:br>
-            <a:r>
-              <a:rPr kumimoji="0" lang="zh-CN" altLang="en-US" sz="2000" dirty="0" smtClean="0">
-                <a:solidFill>
-                  <a:schemeClr val="tx1"/>
-                </a:solidFill>
-                <a:sym typeface="+mn-ea"/>
-              </a:rPr>
-              <a:t/>
-            </a:r>
             <a:br>
               <a:rPr kumimoji="0" lang="zh-CN" altLang="en-US" sz="2000" dirty="0" smtClean="0">
                 <a:solidFill>
@@ -11306,6 +11256,11 @@
               </a:rPr>
               <a:t>前有运算符的话，认定为表达式，不提升</a:t>
             </a:r>
+            <a:endParaRPr kumimoji="0" lang="zh-CN" altLang="en-US" sz="3200" dirty="0" smtClean="0">
+              <a:solidFill>
+                <a:schemeClr val="tx1"/>
+              </a:solidFill>
+            </a:endParaRPr>
           </a:p>
         </p:txBody>
       </p:sp>
@@ -11345,6 +11300,7 @@
               <a:rPr kumimoji="0" lang="zh-CN" altLang="en-US" dirty="0"/>
               <a:t>声明提升</a:t>
             </a:r>
+            <a:endParaRPr kumimoji="0" lang="zh-CN" altLang="en-US" dirty="0"/>
           </a:p>
         </p:txBody>
       </p:sp>
@@ -11357,7 +11313,7 @@
           <p:nvPr/>
         </p:nvPicPr>
         <p:blipFill>
-          <a:blip r:embed="rId3"/>
+          <a:blip r:embed="rId1"/>
           <a:srcRect l="4247" b="17286"/>
           <a:stretch>
             <a:fillRect/>
@@ -11435,7 +11391,7 @@
           <p:nvPr/>
         </p:nvPicPr>
         <p:blipFill>
-          <a:blip r:embed="rId4"/>
+          <a:blip r:embed="rId2"/>
           <a:stretch>
             <a:fillRect/>
           </a:stretch>
@@ -11459,7 +11415,7 @@
           <p:nvPr/>
         </p:nvPicPr>
         <p:blipFill>
-          <a:blip r:embed="rId5"/>
+          <a:blip r:embed="rId3"/>
           <a:stretch>
             <a:fillRect/>
           </a:stretch>
@@ -12183,14 +12139,6 @@
               </a:rPr>
               <a:t>：变量名同函数名）</a:t>
             </a:r>
-            <a:r>
-              <a:rPr kumimoji="0" lang="zh-CN" altLang="en-US" sz="2000" dirty="0" smtClean="0">
-                <a:solidFill>
-                  <a:schemeClr val="tx1"/>
-                </a:solidFill>
-              </a:rPr>
-              <a:t/>
-            </a:r>
             <a:br>
               <a:rPr kumimoji="0" lang="zh-CN" altLang="en-US" sz="2000" dirty="0" smtClean="0">
                 <a:solidFill>
@@ -12198,15 +12146,6 @@
                 </a:solidFill>
               </a:rPr>
             </a:br>
-            <a:r>
-              <a:rPr kumimoji="0" lang="zh-CN" altLang="en-US" sz="2000" dirty="0" smtClean="0">
-                <a:solidFill>
-                  <a:schemeClr val="tx1"/>
-                </a:solidFill>
-                <a:sym typeface="+mn-ea"/>
-              </a:rPr>
-              <a:t/>
-            </a:r>
             <a:br>
               <a:rPr kumimoji="0" lang="zh-CN" altLang="en-US" sz="2000" dirty="0" smtClean="0">
                 <a:solidFill>
@@ -12259,6 +12198,7 @@
               <a:rPr kumimoji="0" lang="zh-CN" altLang="en-US" dirty="0"/>
               <a:t>声明提升</a:t>
             </a:r>
+            <a:endParaRPr kumimoji="0" lang="zh-CN" altLang="en-US" dirty="0"/>
           </a:p>
         </p:txBody>
       </p:sp>
@@ -12324,7 +12264,7 @@
           <p:nvPr/>
         </p:nvPicPr>
         <p:blipFill>
-          <a:blip r:embed="rId3"/>
+          <a:blip r:embed="rId1"/>
           <a:stretch>
             <a:fillRect/>
           </a:stretch>
@@ -12348,7 +12288,7 @@
           <p:nvPr/>
         </p:nvPicPr>
         <p:blipFill>
-          <a:blip r:embed="rId4"/>
+          <a:blip r:embed="rId2"/>
           <a:stretch>
             <a:fillRect/>
           </a:stretch>
@@ -12393,6 +12333,11 @@
               </a:rPr>
               <a:t>等价于</a:t>
             </a:r>
+            <a:endParaRPr lang="zh-CN" altLang="en-US" sz="2800">
+              <a:solidFill>
+                <a:srgbClr val="FF0000"/>
+              </a:solidFill>
+            </a:endParaRPr>
           </a:p>
           <a:p>
             <a:r>
@@ -12403,6 +12348,11 @@
               </a:rPr>
               <a:t>=&gt;</a:t>
             </a:r>
+            <a:endParaRPr lang="en-US" altLang="zh-CN" sz="2800">
+              <a:solidFill>
+                <a:srgbClr val="FF0000"/>
+              </a:solidFill>
+            </a:endParaRPr>
           </a:p>
         </p:txBody>
       </p:sp>
@@ -13110,6 +13060,11 @@
               </a:rPr>
               <a:t>变量及函数声明前置</a:t>
             </a:r>
+            <a:endParaRPr lang="zh-CN" altLang="en-US" sz="2800" b="1">
+              <a:solidFill>
+                <a:schemeClr val="tx1"/>
+              </a:solidFill>
+            </a:endParaRPr>
           </a:p>
           <a:p>
             <a:pPr algn="l">
@@ -13136,6 +13091,11 @@
               </a:rPr>
               <a:t>预解析与作用域</a:t>
             </a:r>
+            <a:endParaRPr lang="zh-CN" altLang="en-US" sz="2800" b="1">
+              <a:solidFill>
+                <a:srgbClr val="FF0000"/>
+              </a:solidFill>
+            </a:endParaRPr>
           </a:p>
         </p:txBody>
       </p:sp>
@@ -13706,10 +13666,9 @@
       </a:lstStyle>
     </a:lnDef>
   </a:objectDefaults>
-  <a:extraClrSchemeLst/>
   <a:extLst>
     <a:ext uri="{05A4C25C-085E-4340-85A3-A5531E510DB2}">
-      <thm15:themeFamily xmlns="" xmlns:thm15="http://schemas.microsoft.com/office/thememl/2012/main" name="Office Theme" id="{62F939B6-93AF-4DB8-9C6B-D6C7DFDC589F}" vid="{4A3C46E8-61CC-4603-A589-7422A47A8E4A}"/>
+      <thm15:themeFamily xmlns:thm15="http://schemas.microsoft.com/office/thememl/2012/main" name="Office Theme" id="{62F939B6-93AF-4DB8-9C6B-D6C7DFDC589F}" vid="{4A3C46E8-61CC-4603-A589-7422A47A8E4A}"/>
     </a:ext>
   </a:extLst>
 </a:theme>
@@ -13993,11 +13952,9 @@
       </a:bgFillStyleLst>
     </a:fmtScheme>
   </a:themeElements>
-  <a:objectDefaults/>
-  <a:extraClrSchemeLst/>
   <a:extLst>
     <a:ext uri="{05A4C25C-085E-4340-85A3-A5531E510DB2}">
-      <thm15:themeFamily xmlns="" xmlns:thm15="http://schemas.microsoft.com/office/thememl/2012/main" name="Office Theme" id="{62F939B6-93AF-4DB8-9C6B-D6C7DFDC589F}" vid="{4A3C46E8-61CC-4603-A589-7422A47A8E4A}"/>
+      <thm15:themeFamily xmlns:thm15="http://schemas.microsoft.com/office/thememl/2012/main" name="Office Theme" id="{62F939B6-93AF-4DB8-9C6B-D6C7DFDC589F}" vid="{4A3C46E8-61CC-4603-A589-7422A47A8E4A}"/>
     </a:ext>
   </a:extLst>
 </a:theme>
